--- a/Report/Setup.pptx
+++ b/Report/Setup.pptx
@@ -107,6 +107,11 @@
       </a:defRPr>
     </a:lvl9pPr>
   </p:defaultTextStyle>
+  <p:extLst>
+    <p:ext uri="{EFAFB233-063F-42B5-8137-9DF3F51BA10A}">
+      <p15:sldGuideLst xmlns:p15="http://schemas.microsoft.com/office/powerpoint/2012/main"/>
+    </p:ext>
+  </p:extLst>
 </p:presentation>
 </file>
 
@@ -192,7 +197,7 @@
           <a:p>
             <a:fld id="{FCB65315-E0DF-45F9-A109-A64A670129EC}" type="datetimeFigureOut">
               <a:rPr lang="en-US" smtClean="0"/>
-              <a:t>5/19/2018</a:t>
+              <a:t>5/20/18</a:t>
             </a:fld>
             <a:endParaRPr lang="en-US"/>
           </a:p>
@@ -350,7 +355,7 @@
           <a:p>
             <a:fld id="{A2B0F0FC-8D10-4B36-A79A-BBF802528B3A}" type="slidenum">
               <a:rPr lang="en-US" smtClean="0"/>
-              <a:t>‹#›</a:t>
+              <a:t>‹nr.›</a:t>
             </a:fld>
             <a:endParaRPr lang="en-US"/>
           </a:p>
@@ -708,7 +713,7 @@
           <a:p>
             <a:fld id="{0EEC0536-3663-48DB-AC4A-3C7A03514159}" type="datetimeFigureOut">
               <a:rPr lang="en-US" smtClean="0"/>
-              <a:t>5/19/2018</a:t>
+              <a:t>5/20/18</a:t>
             </a:fld>
             <a:endParaRPr lang="en-US"/>
           </a:p>
@@ -762,7 +767,7 @@
           <a:p>
             <a:fld id="{CEA1E848-34F7-4116-9EB4-40151E0E62A0}" type="slidenum">
               <a:rPr lang="en-US" smtClean="0"/>
-              <a:t>‹#›</a:t>
+              <a:t>‹nr.›</a:t>
             </a:fld>
             <a:endParaRPr lang="en-US"/>
           </a:p>
@@ -906,7 +911,7 @@
           <a:p>
             <a:fld id="{0EEC0536-3663-48DB-AC4A-3C7A03514159}" type="datetimeFigureOut">
               <a:rPr lang="en-US" smtClean="0"/>
-              <a:t>5/19/2018</a:t>
+              <a:t>5/20/18</a:t>
             </a:fld>
             <a:endParaRPr lang="en-US"/>
           </a:p>
@@ -960,7 +965,7 @@
           <a:p>
             <a:fld id="{CEA1E848-34F7-4116-9EB4-40151E0E62A0}" type="slidenum">
               <a:rPr lang="en-US" smtClean="0"/>
-              <a:t>‹#›</a:t>
+              <a:t>‹nr.›</a:t>
             </a:fld>
             <a:endParaRPr lang="en-US"/>
           </a:p>
@@ -1114,7 +1119,7 @@
           <a:p>
             <a:fld id="{0EEC0536-3663-48DB-AC4A-3C7A03514159}" type="datetimeFigureOut">
               <a:rPr lang="en-US" smtClean="0"/>
-              <a:t>5/19/2018</a:t>
+              <a:t>5/20/18</a:t>
             </a:fld>
             <a:endParaRPr lang="en-US"/>
           </a:p>
@@ -1168,7 +1173,7 @@
           <a:p>
             <a:fld id="{CEA1E848-34F7-4116-9EB4-40151E0E62A0}" type="slidenum">
               <a:rPr lang="en-US" smtClean="0"/>
-              <a:t>‹#›</a:t>
+              <a:t>‹nr.›</a:t>
             </a:fld>
             <a:endParaRPr lang="en-US"/>
           </a:p>
@@ -1312,7 +1317,7 @@
           <a:p>
             <a:fld id="{0EEC0536-3663-48DB-AC4A-3C7A03514159}" type="datetimeFigureOut">
               <a:rPr lang="en-US" smtClean="0"/>
-              <a:t>5/19/2018</a:t>
+              <a:t>5/20/18</a:t>
             </a:fld>
             <a:endParaRPr lang="en-US"/>
           </a:p>
@@ -1366,7 +1371,7 @@
           <a:p>
             <a:fld id="{CEA1E848-34F7-4116-9EB4-40151E0E62A0}" type="slidenum">
               <a:rPr lang="en-US" smtClean="0"/>
-              <a:t>‹#›</a:t>
+              <a:t>‹nr.›</a:t>
             </a:fld>
             <a:endParaRPr lang="en-US"/>
           </a:p>
@@ -1587,7 +1592,7 @@
           <a:p>
             <a:fld id="{0EEC0536-3663-48DB-AC4A-3C7A03514159}" type="datetimeFigureOut">
               <a:rPr lang="en-US" smtClean="0"/>
-              <a:t>5/19/2018</a:t>
+              <a:t>5/20/18</a:t>
             </a:fld>
             <a:endParaRPr lang="en-US"/>
           </a:p>
@@ -1641,7 +1646,7 @@
           <a:p>
             <a:fld id="{CEA1E848-34F7-4116-9EB4-40151E0E62A0}" type="slidenum">
               <a:rPr lang="en-US" smtClean="0"/>
-              <a:t>‹#›</a:t>
+              <a:t>‹nr.›</a:t>
             </a:fld>
             <a:endParaRPr lang="en-US"/>
           </a:p>
@@ -1852,7 +1857,7 @@
           <a:p>
             <a:fld id="{0EEC0536-3663-48DB-AC4A-3C7A03514159}" type="datetimeFigureOut">
               <a:rPr lang="en-US" smtClean="0"/>
-              <a:t>5/19/2018</a:t>
+              <a:t>5/20/18</a:t>
             </a:fld>
             <a:endParaRPr lang="en-US"/>
           </a:p>
@@ -1906,7 +1911,7 @@
           <a:p>
             <a:fld id="{CEA1E848-34F7-4116-9EB4-40151E0E62A0}" type="slidenum">
               <a:rPr lang="en-US" smtClean="0"/>
-              <a:t>‹#›</a:t>
+              <a:t>‹nr.›</a:t>
             </a:fld>
             <a:endParaRPr lang="en-US"/>
           </a:p>
@@ -2264,7 +2269,7 @@
           <a:p>
             <a:fld id="{0EEC0536-3663-48DB-AC4A-3C7A03514159}" type="datetimeFigureOut">
               <a:rPr lang="en-US" smtClean="0"/>
-              <a:t>5/19/2018</a:t>
+              <a:t>5/20/18</a:t>
             </a:fld>
             <a:endParaRPr lang="en-US"/>
           </a:p>
@@ -2318,7 +2323,7 @@
           <a:p>
             <a:fld id="{CEA1E848-34F7-4116-9EB4-40151E0E62A0}" type="slidenum">
               <a:rPr lang="en-US" smtClean="0"/>
-              <a:t>‹#›</a:t>
+              <a:t>‹nr.›</a:t>
             </a:fld>
             <a:endParaRPr lang="en-US"/>
           </a:p>
@@ -2405,7 +2410,7 @@
           <a:p>
             <a:fld id="{0EEC0536-3663-48DB-AC4A-3C7A03514159}" type="datetimeFigureOut">
               <a:rPr lang="en-US" smtClean="0"/>
-              <a:t>5/19/2018</a:t>
+              <a:t>5/20/18</a:t>
             </a:fld>
             <a:endParaRPr lang="en-US"/>
           </a:p>
@@ -2459,7 +2464,7 @@
           <a:p>
             <a:fld id="{CEA1E848-34F7-4116-9EB4-40151E0E62A0}" type="slidenum">
               <a:rPr lang="en-US" smtClean="0"/>
-              <a:t>‹#›</a:t>
+              <a:t>‹nr.›</a:t>
             </a:fld>
             <a:endParaRPr lang="en-US"/>
           </a:p>
@@ -2518,7 +2523,7 @@
           <a:p>
             <a:fld id="{0EEC0536-3663-48DB-AC4A-3C7A03514159}" type="datetimeFigureOut">
               <a:rPr lang="en-US" smtClean="0"/>
-              <a:t>5/19/2018</a:t>
+              <a:t>5/20/18</a:t>
             </a:fld>
             <a:endParaRPr lang="en-US"/>
           </a:p>
@@ -2572,7 +2577,7 @@
           <a:p>
             <a:fld id="{CEA1E848-34F7-4116-9EB4-40151E0E62A0}" type="slidenum">
               <a:rPr lang="en-US" smtClean="0"/>
-              <a:t>‹#›</a:t>
+              <a:t>‹nr.›</a:t>
             </a:fld>
             <a:endParaRPr lang="en-US"/>
           </a:p>
@@ -2829,7 +2834,7 @@
           <a:p>
             <a:fld id="{0EEC0536-3663-48DB-AC4A-3C7A03514159}" type="datetimeFigureOut">
               <a:rPr lang="en-US" smtClean="0"/>
-              <a:t>5/19/2018</a:t>
+              <a:t>5/20/18</a:t>
             </a:fld>
             <a:endParaRPr lang="en-US"/>
           </a:p>
@@ -2883,7 +2888,7 @@
           <a:p>
             <a:fld id="{CEA1E848-34F7-4116-9EB4-40151E0E62A0}" type="slidenum">
               <a:rPr lang="en-US" smtClean="0"/>
-              <a:t>‹#›</a:t>
+              <a:t>‹nr.›</a:t>
             </a:fld>
             <a:endParaRPr lang="en-US"/>
           </a:p>
@@ -3117,7 +3122,7 @@
           <a:p>
             <a:fld id="{0EEC0536-3663-48DB-AC4A-3C7A03514159}" type="datetimeFigureOut">
               <a:rPr lang="en-US" smtClean="0"/>
-              <a:t>5/19/2018</a:t>
+              <a:t>5/20/18</a:t>
             </a:fld>
             <a:endParaRPr lang="en-US"/>
           </a:p>
@@ -3171,7 +3176,7 @@
           <a:p>
             <a:fld id="{CEA1E848-34F7-4116-9EB4-40151E0E62A0}" type="slidenum">
               <a:rPr lang="en-US" smtClean="0"/>
-              <a:t>‹#›</a:t>
+              <a:t>‹nr.›</a:t>
             </a:fld>
             <a:endParaRPr lang="en-US"/>
           </a:p>
@@ -3358,7 +3363,7 @@
           <a:p>
             <a:fld id="{0EEC0536-3663-48DB-AC4A-3C7A03514159}" type="datetimeFigureOut">
               <a:rPr lang="en-US" smtClean="0"/>
-              <a:t>5/19/2018</a:t>
+              <a:t>5/20/18</a:t>
             </a:fld>
             <a:endParaRPr lang="en-US"/>
           </a:p>
@@ -3448,7 +3453,7 @@
           <a:p>
             <a:fld id="{CEA1E848-34F7-4116-9EB4-40151E0E62A0}" type="slidenum">
               <a:rPr lang="en-US" smtClean="0"/>
-              <a:t>‹#›</a:t>
+              <a:t>‹nr.›</a:t>
             </a:fld>
             <a:endParaRPr lang="en-US"/>
           </a:p>
@@ -3791,7 +3796,7 @@
         </p:nvSpPr>
         <p:spPr bwMode="auto">
           <a:xfrm>
-            <a:off x="3660812" y="2113753"/>
+            <a:off x="2812040" y="2113753"/>
             <a:ext cx="8520829" cy="4744247"/>
           </a:xfrm>
           <a:prstGeom prst="rect">
@@ -3836,7 +3841,7 @@
         </p:nvSpPr>
         <p:spPr bwMode="auto">
           <a:xfrm>
-            <a:off x="4080124" y="2354089"/>
+            <a:off x="3231352" y="2354089"/>
             <a:ext cx="4246066" cy="2364135"/>
           </a:xfrm>
           <a:prstGeom prst="rect">
@@ -3904,7 +3909,7 @@
         </p:blipFill>
         <p:spPr>
           <a:xfrm>
-            <a:off x="2618044" y="4901923"/>
+            <a:off x="1769272" y="4901923"/>
             <a:ext cx="4629150" cy="1938954"/>
           </a:xfrm>
         </p:spPr>
@@ -3954,7 +3959,7 @@
         </p:blipFill>
         <p:spPr>
           <a:xfrm flipH="1">
-            <a:off x="4178013" y="3260008"/>
+            <a:off x="3329241" y="3260008"/>
             <a:ext cx="2201704" cy="1571850"/>
           </a:xfrm>
           <a:prstGeom prst="rect">
@@ -3999,7 +4004,7 @@
         </p:blipFill>
         <p:spPr>
           <a:xfrm>
-            <a:off x="4342031" y="1713140"/>
+            <a:off x="3493259" y="1713140"/>
             <a:ext cx="2201704" cy="1249163"/>
           </a:xfrm>
           <a:prstGeom prst="rect">
@@ -4023,7 +4028,7 @@
         </p:nvCxnSpPr>
         <p:spPr>
           <a:xfrm>
-            <a:off x="3154059" y="2862663"/>
+            <a:off x="2305287" y="2862663"/>
             <a:ext cx="911250" cy="303750"/>
           </a:xfrm>
           <a:prstGeom prst="line">
@@ -4068,7 +4073,7 @@
         </p:nvCxnSpPr>
         <p:spPr>
           <a:xfrm flipV="1">
-            <a:off x="3154054" y="4192565"/>
+            <a:off x="2305282" y="4192565"/>
             <a:ext cx="911250" cy="303750"/>
           </a:xfrm>
           <a:prstGeom prst="line">
@@ -4135,7 +4140,7 @@
         </p:blipFill>
         <p:spPr>
           <a:xfrm>
-            <a:off x="4952029" y="602857"/>
+            <a:off x="4103257" y="602857"/>
             <a:ext cx="1149882" cy="1510896"/>
           </a:xfrm>
           <a:prstGeom prst="rect">
@@ -4159,7 +4164,7 @@
         </p:nvCxnSpPr>
         <p:spPr>
           <a:xfrm>
-            <a:off x="3046040" y="3683112"/>
+            <a:off x="2197268" y="3683112"/>
             <a:ext cx="1012500" cy="1"/>
           </a:xfrm>
           <a:prstGeom prst="line">
@@ -4202,7 +4207,7 @@
         </p:nvSpPr>
         <p:spPr>
           <a:xfrm>
-            <a:off x="3242856" y="3294106"/>
+            <a:off x="2394084" y="3294106"/>
             <a:ext cx="649486" cy="395365"/>
           </a:xfrm>
           <a:prstGeom prst="rect">
@@ -4287,8 +4292,8 @@
         </p:blipFill>
         <p:spPr>
           <a:xfrm>
-            <a:off x="8351086" y="1191273"/>
-            <a:ext cx="3021678" cy="2026062"/>
+            <a:off x="6957057" y="1602416"/>
+            <a:ext cx="2715303" cy="1820635"/>
           </a:xfrm>
           <a:prstGeom prst="rect">
             <a:avLst/>
@@ -4340,7 +4345,7 @@
         </p:blipFill>
         <p:spPr>
           <a:xfrm flipH="1">
-            <a:off x="869787" y="4452759"/>
+            <a:off x="21015" y="4452759"/>
             <a:ext cx="1693149" cy="1208780"/>
           </a:xfrm>
           <a:prstGeom prst="rect">
@@ -4393,7 +4398,7 @@
         </p:blipFill>
         <p:spPr>
           <a:xfrm flipH="1">
-            <a:off x="868464" y="2932609"/>
+            <a:off x="19692" y="2932609"/>
             <a:ext cx="1693149" cy="1208780"/>
           </a:xfrm>
           <a:prstGeom prst="rect">
@@ -4446,7 +4451,7 @@
         </p:blipFill>
         <p:spPr>
           <a:xfrm flipH="1">
-            <a:off x="848772" y="1412459"/>
+            <a:off x="0" y="1412459"/>
             <a:ext cx="1693149" cy="1208780"/>
           </a:xfrm>
           <a:prstGeom prst="rect">
@@ -4463,12 +4468,14 @@
               </a:ext>
             </a:extLst>
           </p:cNvPr>
-          <p:cNvCxnSpPr/>
+          <p:cNvCxnSpPr>
+            <a:cxnSpLocks/>
+          </p:cNvCxnSpPr>
           <p:nvPr/>
         </p:nvCxnSpPr>
         <p:spPr>
           <a:xfrm>
-            <a:off x="7106173" y="5445709"/>
+            <a:off x="6257401" y="5445709"/>
             <a:ext cx="1012500" cy="0"/>
           </a:xfrm>
           <a:prstGeom prst="line">
@@ -4511,7 +4518,7 @@
         </p:nvSpPr>
         <p:spPr>
           <a:xfrm>
-            <a:off x="7304523" y="5450251"/>
+            <a:off x="6455751" y="5450251"/>
             <a:ext cx="639919" cy="431785"/>
           </a:xfrm>
           <a:prstGeom prst="rect">
@@ -4519,7 +4526,7 @@
           </a:prstGeom>
         </p:spPr>
         <p:txBody>
-          <a:bodyPr wrap="none">
+          <a:bodyPr wrap="square">
             <a:spAutoFit/>
           </a:bodyPr>
           <a:lstStyle/>
@@ -4546,12 +4553,14 @@
               </a:ext>
             </a:extLst>
           </p:cNvPr>
-          <p:cNvCxnSpPr/>
+          <p:cNvCxnSpPr>
+            <a:cxnSpLocks/>
+          </p:cNvCxnSpPr>
           <p:nvPr/>
         </p:nvCxnSpPr>
         <p:spPr>
           <a:xfrm>
-            <a:off x="7106173" y="2409616"/>
+            <a:off x="5949501" y="2419945"/>
             <a:ext cx="1012500" cy="0"/>
           </a:xfrm>
           <a:prstGeom prst="line">
@@ -4594,7 +4603,7 @@
         </p:nvSpPr>
         <p:spPr>
           <a:xfrm>
-            <a:off x="7304523" y="2018524"/>
+            <a:off x="6135791" y="2046347"/>
             <a:ext cx="639919" cy="431785"/>
           </a:xfrm>
           <a:prstGeom prst="rect">
@@ -4602,7 +4611,7 @@
           </a:prstGeom>
         </p:spPr>
         <p:txBody>
-          <a:bodyPr wrap="none">
+          <a:bodyPr wrap="square">
             <a:spAutoFit/>
           </a:bodyPr>
           <a:lstStyle/>
@@ -4636,7 +4645,7 @@
         </p:nvCxnSpPr>
         <p:spPr>
           <a:xfrm>
-            <a:off x="4579861" y="2419945"/>
+            <a:off x="3731089" y="2419945"/>
             <a:ext cx="0" cy="1012500"/>
           </a:xfrm>
           <a:prstGeom prst="line">
@@ -4676,7 +4685,7 @@
         </p:nvSpPr>
         <p:spPr>
           <a:xfrm>
-            <a:off x="4587255" y="2732546"/>
+            <a:off x="3738483" y="2732546"/>
             <a:ext cx="602336" cy="395365"/>
           </a:xfrm>
           <a:prstGeom prst="rect">
@@ -4718,8 +4727,8 @@
         </p:nvCxnSpPr>
         <p:spPr>
           <a:xfrm>
-            <a:off x="10143056" y="3321844"/>
-            <a:ext cx="0" cy="1012500"/>
+            <a:off x="9026682" y="3545147"/>
+            <a:ext cx="267602" cy="789197"/>
           </a:xfrm>
           <a:prstGeom prst="line">
             <a:avLst/>
@@ -4758,7 +4767,7 @@
         </p:nvSpPr>
         <p:spPr>
           <a:xfrm>
-            <a:off x="10150451" y="3545147"/>
+            <a:off x="9160483" y="3673721"/>
             <a:ext cx="1035374" cy="395365"/>
           </a:xfrm>
           <a:prstGeom prst="rect">
@@ -4855,7 +4864,7 @@
         </p:blipFill>
         <p:spPr>
           <a:xfrm>
-            <a:off x="8110254" y="4300471"/>
+            <a:off x="7261482" y="4300471"/>
             <a:ext cx="3530400" cy="1802640"/>
           </a:xfrm>
           <a:prstGeom prst="rect">
@@ -4877,7 +4886,7 @@
         </p:nvSpPr>
         <p:spPr>
           <a:xfrm>
-            <a:off x="4178014" y="35719"/>
+            <a:off x="3329242" y="35719"/>
             <a:ext cx="2529939" cy="4796137"/>
           </a:xfrm>
           <a:prstGeom prst="rect">
@@ -4952,7 +4961,7 @@
         </p:blipFill>
         <p:spPr>
           <a:xfrm flipH="1">
-            <a:off x="4779968" y="25019"/>
+            <a:off x="3931196" y="25019"/>
             <a:ext cx="1343049" cy="958727"/>
           </a:xfrm>
           <a:prstGeom prst="rect">
@@ -4960,6 +4969,127 @@
           </a:prstGeom>
         </p:spPr>
       </p:pic>
+      <p:pic>
+        <p:nvPicPr>
+          <p:cNvPr id="16" name="Afbeelding 15">
+            <a:extLst>
+              <a:ext uri="{FF2B5EF4-FFF2-40B4-BE49-F238E27FC236}">
+                <a16:creationId xmlns:a16="http://schemas.microsoft.com/office/drawing/2014/main" id="{3830B88F-58B0-1C45-ABF5-1E66A86A8CC3}"/>
+              </a:ext>
+            </a:extLst>
+          </p:cNvPr>
+          <p:cNvPicPr>
+            <a:picLocks noChangeAspect="1"/>
+          </p:cNvPicPr>
+          <p:nvPr/>
+        </p:nvPicPr>
+        <p:blipFill>
+          <a:blip r:embed="rId13">
+            <a:extLst>
+              <a:ext uri="{28A0092B-C50C-407E-A947-70E740481C1C}">
+                <a14:useLocalDpi xmlns:a14="http://schemas.microsoft.com/office/drawing/2010/main" val="0"/>
+              </a:ext>
+            </a:extLst>
+          </a:blip>
+          <a:stretch>
+            <a:fillRect/>
+          </a:stretch>
+        </p:blipFill>
+        <p:spPr>
+          <a:xfrm>
+            <a:off x="9761905" y="117875"/>
+            <a:ext cx="2430095" cy="1557168"/>
+          </a:xfrm>
+          <a:prstGeom prst="rect">
+            <a:avLst/>
+          </a:prstGeom>
+        </p:spPr>
+      </p:pic>
+      <p:cxnSp>
+        <p:nvCxnSpPr>
+          <p:cNvPr id="37" name="Straight Connector 60">
+            <a:extLst>
+              <a:ext uri="{FF2B5EF4-FFF2-40B4-BE49-F238E27FC236}">
+                <a16:creationId xmlns:a16="http://schemas.microsoft.com/office/drawing/2014/main" id="{8B528A6D-7674-2845-AED5-B2142EDFC575}"/>
+              </a:ext>
+            </a:extLst>
+          </p:cNvPr>
+          <p:cNvCxnSpPr>
+            <a:cxnSpLocks/>
+          </p:cNvCxnSpPr>
+          <p:nvPr/>
+        </p:nvCxnSpPr>
+        <p:spPr>
+          <a:xfrm flipV="1">
+            <a:off x="9779382" y="1713140"/>
+            <a:ext cx="728723" cy="549099"/>
+          </a:xfrm>
+          <a:prstGeom prst="line">
+            <a:avLst/>
+          </a:prstGeom>
+          <a:ln w="28575">
+            <a:solidFill>
+              <a:srgbClr val="1E64C8"/>
+            </a:solidFill>
+            <a:headEnd type="triangle" w="lg" len="lg"/>
+            <a:tailEnd type="triangle" w="lg" len="lg"/>
+          </a:ln>
+        </p:spPr>
+        <p:style>
+          <a:lnRef idx="3">
+            <a:schemeClr val="accent1"/>
+          </a:lnRef>
+          <a:fillRef idx="0">
+            <a:schemeClr val="accent1"/>
+          </a:fillRef>
+          <a:effectRef idx="2">
+            <a:schemeClr val="accent1"/>
+          </a:effectRef>
+          <a:fontRef idx="minor">
+            <a:schemeClr val="tx1"/>
+          </a:fontRef>
+        </p:style>
+      </p:cxnSp>
+      <p:sp>
+        <p:nvSpPr>
+          <p:cNvPr id="39" name="Rectangle 61">
+            <a:extLst>
+              <a:ext uri="{FF2B5EF4-FFF2-40B4-BE49-F238E27FC236}">
+                <a16:creationId xmlns:a16="http://schemas.microsoft.com/office/drawing/2014/main" id="{01C2AB51-1919-6845-A856-FA7B0819AC75}"/>
+              </a:ext>
+            </a:extLst>
+          </p:cNvPr>
+          <p:cNvSpPr/>
+          <p:nvPr/>
+        </p:nvSpPr>
+        <p:spPr>
+          <a:xfrm>
+            <a:off x="10082115" y="1925853"/>
+            <a:ext cx="639919" cy="431785"/>
+          </a:xfrm>
+          <a:prstGeom prst="rect">
+            <a:avLst/>
+          </a:prstGeom>
+        </p:spPr>
+        <p:txBody>
+          <a:bodyPr wrap="square">
+            <a:spAutoFit/>
+          </a:bodyPr>
+          <a:lstStyle/>
+          <a:p>
+            <a:pPr algn="ctr">
+              <a:lnSpc>
+                <a:spcPct val="120000"/>
+              </a:lnSpc>
+            </a:pPr>
+            <a:r>
+              <a:rPr lang="en-US" sz="1969" dirty="0" err="1"/>
+              <a:t>WiFi</a:t>
+            </a:r>
+            <a:endParaRPr lang="en-US" sz="1969" dirty="0"/>
+          </a:p>
+        </p:txBody>
+      </p:sp>
     </p:spTree>
     <p:extLst>
       <p:ext uri="{BB962C8B-B14F-4D97-AF65-F5344CB8AC3E}">

--- a/Report/Setup.pptx
+++ b/Report/Setup.pptx
@@ -197,7 +197,7 @@
           <a:p>
             <a:fld id="{FCB65315-E0DF-45F9-A109-A64A670129EC}" type="datetimeFigureOut">
               <a:rPr lang="en-US" smtClean="0"/>
-              <a:t>5/20/18</a:t>
+              <a:t>5/21/18</a:t>
             </a:fld>
             <a:endParaRPr lang="en-US"/>
           </a:p>
@@ -713,7 +713,7 @@
           <a:p>
             <a:fld id="{0EEC0536-3663-48DB-AC4A-3C7A03514159}" type="datetimeFigureOut">
               <a:rPr lang="en-US" smtClean="0"/>
-              <a:t>5/20/18</a:t>
+              <a:t>5/21/18</a:t>
             </a:fld>
             <a:endParaRPr lang="en-US"/>
           </a:p>
@@ -911,7 +911,7 @@
           <a:p>
             <a:fld id="{0EEC0536-3663-48DB-AC4A-3C7A03514159}" type="datetimeFigureOut">
               <a:rPr lang="en-US" smtClean="0"/>
-              <a:t>5/20/18</a:t>
+              <a:t>5/21/18</a:t>
             </a:fld>
             <a:endParaRPr lang="en-US"/>
           </a:p>
@@ -1119,7 +1119,7 @@
           <a:p>
             <a:fld id="{0EEC0536-3663-48DB-AC4A-3C7A03514159}" type="datetimeFigureOut">
               <a:rPr lang="en-US" smtClean="0"/>
-              <a:t>5/20/18</a:t>
+              <a:t>5/21/18</a:t>
             </a:fld>
             <a:endParaRPr lang="en-US"/>
           </a:p>
@@ -1317,7 +1317,7 @@
           <a:p>
             <a:fld id="{0EEC0536-3663-48DB-AC4A-3C7A03514159}" type="datetimeFigureOut">
               <a:rPr lang="en-US" smtClean="0"/>
-              <a:t>5/20/18</a:t>
+              <a:t>5/21/18</a:t>
             </a:fld>
             <a:endParaRPr lang="en-US"/>
           </a:p>
@@ -1592,7 +1592,7 @@
           <a:p>
             <a:fld id="{0EEC0536-3663-48DB-AC4A-3C7A03514159}" type="datetimeFigureOut">
               <a:rPr lang="en-US" smtClean="0"/>
-              <a:t>5/20/18</a:t>
+              <a:t>5/21/18</a:t>
             </a:fld>
             <a:endParaRPr lang="en-US"/>
           </a:p>
@@ -1857,7 +1857,7 @@
           <a:p>
             <a:fld id="{0EEC0536-3663-48DB-AC4A-3C7A03514159}" type="datetimeFigureOut">
               <a:rPr lang="en-US" smtClean="0"/>
-              <a:t>5/20/18</a:t>
+              <a:t>5/21/18</a:t>
             </a:fld>
             <a:endParaRPr lang="en-US"/>
           </a:p>
@@ -2269,7 +2269,7 @@
           <a:p>
             <a:fld id="{0EEC0536-3663-48DB-AC4A-3C7A03514159}" type="datetimeFigureOut">
               <a:rPr lang="en-US" smtClean="0"/>
-              <a:t>5/20/18</a:t>
+              <a:t>5/21/18</a:t>
             </a:fld>
             <a:endParaRPr lang="en-US"/>
           </a:p>
@@ -2410,7 +2410,7 @@
           <a:p>
             <a:fld id="{0EEC0536-3663-48DB-AC4A-3C7A03514159}" type="datetimeFigureOut">
               <a:rPr lang="en-US" smtClean="0"/>
-              <a:t>5/20/18</a:t>
+              <a:t>5/21/18</a:t>
             </a:fld>
             <a:endParaRPr lang="en-US"/>
           </a:p>
@@ -2523,7 +2523,7 @@
           <a:p>
             <a:fld id="{0EEC0536-3663-48DB-AC4A-3C7A03514159}" type="datetimeFigureOut">
               <a:rPr lang="en-US" smtClean="0"/>
-              <a:t>5/20/18</a:t>
+              <a:t>5/21/18</a:t>
             </a:fld>
             <a:endParaRPr lang="en-US"/>
           </a:p>
@@ -2834,7 +2834,7 @@
           <a:p>
             <a:fld id="{0EEC0536-3663-48DB-AC4A-3C7A03514159}" type="datetimeFigureOut">
               <a:rPr lang="en-US" smtClean="0"/>
-              <a:t>5/20/18</a:t>
+              <a:t>5/21/18</a:t>
             </a:fld>
             <a:endParaRPr lang="en-US"/>
           </a:p>
@@ -3122,7 +3122,7 @@
           <a:p>
             <a:fld id="{0EEC0536-3663-48DB-AC4A-3C7A03514159}" type="datetimeFigureOut">
               <a:rPr lang="en-US" smtClean="0"/>
-              <a:t>5/20/18</a:t>
+              <a:t>5/21/18</a:t>
             </a:fld>
             <a:endParaRPr lang="en-US"/>
           </a:p>
@@ -3363,7 +3363,7 @@
           <a:p>
             <a:fld id="{0EEC0536-3663-48DB-AC4A-3C7A03514159}" type="datetimeFigureOut">
               <a:rPr lang="en-US" smtClean="0"/>
-              <a:t>5/20/18</a:t>
+              <a:t>5/21/18</a:t>
             </a:fld>
             <a:endParaRPr lang="en-US"/>
           </a:p>
@@ -4208,7 +4208,7 @@
         <p:spPr>
           <a:xfrm>
             <a:off x="2394084" y="3294106"/>
-            <a:ext cx="649486" cy="395365"/>
+            <a:ext cx="649486" cy="333617"/>
           </a:xfrm>
           <a:prstGeom prst="rect">
             <a:avLst/>
@@ -4227,10 +4227,10 @@
               </a:lnSpc>
             </a:pPr>
             <a:r>
-              <a:rPr lang="en-US" sz="1758" dirty="0" err="1"/>
+              <a:rPr lang="en-US" sz="1400" dirty="0" err="1"/>
               <a:t>UWB</a:t>
             </a:r>
-            <a:endParaRPr lang="en-US" sz="1758" dirty="0"/>
+            <a:endParaRPr lang="en-US" sz="1400" dirty="0"/>
           </a:p>
         </p:txBody>
       </p:sp>
@@ -4519,7 +4519,7 @@
         <p:spPr>
           <a:xfrm>
             <a:off x="6455751" y="5450251"/>
-            <a:ext cx="639919" cy="431785"/>
+            <a:ext cx="639919" cy="333617"/>
           </a:xfrm>
           <a:prstGeom prst="rect">
             <a:avLst/>
@@ -4537,10 +4537,10 @@
               </a:lnSpc>
             </a:pPr>
             <a:r>
-              <a:rPr lang="en-US" sz="1969" dirty="0" err="1"/>
+              <a:rPr lang="en-US" sz="1400" dirty="0" err="1"/>
               <a:t>WiFi</a:t>
             </a:r>
-            <a:endParaRPr lang="en-US" sz="1969" dirty="0"/>
+            <a:endParaRPr lang="en-US" sz="1400" dirty="0"/>
           </a:p>
         </p:txBody>
       </p:sp>
@@ -4604,7 +4604,7 @@
         <p:spPr>
           <a:xfrm>
             <a:off x="6135791" y="2046347"/>
-            <a:ext cx="639919" cy="431785"/>
+            <a:ext cx="639919" cy="333617"/>
           </a:xfrm>
           <a:prstGeom prst="rect">
             <a:avLst/>
@@ -4622,10 +4622,10 @@
               </a:lnSpc>
             </a:pPr>
             <a:r>
-              <a:rPr lang="en-US" sz="1969" dirty="0" err="1"/>
+              <a:rPr lang="en-US" sz="1400" dirty="0" err="1"/>
               <a:t>WiFi</a:t>
             </a:r>
-            <a:endParaRPr lang="en-US" sz="1969" dirty="0"/>
+            <a:endParaRPr lang="en-US" sz="1400" dirty="0"/>
           </a:p>
         </p:txBody>
       </p:sp>
@@ -4685,8 +4685,8 @@
         </p:nvSpPr>
         <p:spPr>
           <a:xfrm>
-            <a:off x="3738483" y="2732546"/>
-            <a:ext cx="602336" cy="395365"/>
+            <a:off x="3274760" y="2759386"/>
+            <a:ext cx="602336" cy="333617"/>
           </a:xfrm>
           <a:prstGeom prst="rect">
             <a:avLst/>
@@ -4705,7 +4705,7 @@
               </a:lnSpc>
             </a:pPr>
             <a:r>
-              <a:rPr lang="en-US" sz="1758" dirty="0"/>
+              <a:rPr lang="en-US" sz="1400" dirty="0"/>
               <a:t>USB</a:t>
             </a:r>
           </a:p>
@@ -4727,8 +4727,8 @@
         </p:nvCxnSpPr>
         <p:spPr>
           <a:xfrm>
-            <a:off x="9026682" y="3545147"/>
-            <a:ext cx="267602" cy="789197"/>
+            <a:off x="9000849" y="3545582"/>
+            <a:ext cx="216707" cy="692592"/>
           </a:xfrm>
           <a:prstGeom prst="line">
             <a:avLst/>
@@ -4767,8 +4767,8 @@
         </p:nvSpPr>
         <p:spPr>
           <a:xfrm>
-            <a:off x="9160483" y="3673721"/>
-            <a:ext cx="1035374" cy="395365"/>
+            <a:off x="8983921" y="3706096"/>
+            <a:ext cx="1035374" cy="333617"/>
           </a:xfrm>
           <a:prstGeom prst="rect">
             <a:avLst/>
@@ -4787,7 +4787,7 @@
               </a:lnSpc>
             </a:pPr>
             <a:r>
-              <a:rPr lang="en-US" sz="1758" dirty="0"/>
+              <a:rPr lang="en-US" sz="1400" dirty="0"/>
               <a:t>Ethernet</a:t>
             </a:r>
           </a:p>
@@ -5064,8 +5064,8 @@
         </p:nvSpPr>
         <p:spPr>
           <a:xfrm>
-            <a:off x="10082115" y="1925853"/>
-            <a:ext cx="639919" cy="431785"/>
+            <a:off x="9988525" y="1924929"/>
+            <a:ext cx="639919" cy="333617"/>
           </a:xfrm>
           <a:prstGeom prst="rect">
             <a:avLst/>
@@ -5083,10 +5083,557 @@
               </a:lnSpc>
             </a:pPr>
             <a:r>
-              <a:rPr lang="en-US" sz="1969" dirty="0" err="1"/>
+              <a:rPr lang="en-US" sz="1400" dirty="0" err="1"/>
               <a:t>WiFi</a:t>
             </a:r>
-            <a:endParaRPr lang="en-US" sz="1969" dirty="0"/>
+            <a:endParaRPr lang="en-US" sz="1400" dirty="0"/>
+          </a:p>
+        </p:txBody>
+      </p:sp>
+      <p:sp>
+        <p:nvSpPr>
+          <p:cNvPr id="31" name="Rectangle 14">
+            <a:extLst>
+              <a:ext uri="{FF2B5EF4-FFF2-40B4-BE49-F238E27FC236}">
+                <a16:creationId xmlns:a16="http://schemas.microsoft.com/office/drawing/2014/main" id="{3CA50409-E21E-2D49-8910-27599685B614}"/>
+              </a:ext>
+            </a:extLst>
+          </p:cNvPr>
+          <p:cNvSpPr/>
+          <p:nvPr/>
+        </p:nvSpPr>
+        <p:spPr>
+          <a:xfrm>
+            <a:off x="7292393" y="4300471"/>
+            <a:ext cx="3665301" cy="1969000"/>
+          </a:xfrm>
+          <a:prstGeom prst="rect">
+            <a:avLst/>
+          </a:prstGeom>
+          <a:noFill/>
+          <a:ln w="31750">
+            <a:solidFill>
+              <a:srgbClr val="1E64C8"/>
+            </a:solidFill>
+          </a:ln>
+        </p:spPr>
+        <p:style>
+          <a:lnRef idx="2">
+            <a:schemeClr val="accent1">
+              <a:shade val="50000"/>
+            </a:schemeClr>
+          </a:lnRef>
+          <a:fillRef idx="1">
+            <a:schemeClr val="accent1"/>
+          </a:fillRef>
+          <a:effectRef idx="0">
+            <a:schemeClr val="accent1"/>
+          </a:effectRef>
+          <a:fontRef idx="minor">
+            <a:schemeClr val="lt1"/>
+          </a:fontRef>
+        </p:style>
+        <p:txBody>
+          <a:bodyPr rtlCol="0" anchor="ctr"/>
+          <a:lstStyle/>
+          <a:p>
+            <a:pPr algn="ctr"/>
+            <a:endParaRPr lang="en-US" sz="1266">
+              <a:solidFill>
+                <a:srgbClr val="1F59CB"/>
+              </a:solidFill>
+            </a:endParaRPr>
+          </a:p>
+        </p:txBody>
+      </p:sp>
+      <p:sp>
+        <p:nvSpPr>
+          <p:cNvPr id="32" name="TextBox 63">
+            <a:extLst>
+              <a:ext uri="{FF2B5EF4-FFF2-40B4-BE49-F238E27FC236}">
+                <a16:creationId xmlns:a16="http://schemas.microsoft.com/office/drawing/2014/main" id="{47716162-ED7D-794F-A9BD-707A7D1A57F8}"/>
+              </a:ext>
+            </a:extLst>
+          </p:cNvPr>
+          <p:cNvSpPr txBox="1"/>
+          <p:nvPr/>
+        </p:nvSpPr>
+        <p:spPr>
+          <a:xfrm>
+            <a:off x="-44882" y="1045628"/>
+            <a:ext cx="1971823" cy="350865"/>
+          </a:xfrm>
+          <a:prstGeom prst="rect">
+            <a:avLst/>
+          </a:prstGeom>
+          <a:noFill/>
+        </p:spPr>
+        <p:txBody>
+          <a:bodyPr wrap="square" rtlCol="0">
+            <a:spAutoFit/>
+          </a:bodyPr>
+          <a:lstStyle/>
+          <a:p>
+            <a:pPr algn="ctr">
+              <a:lnSpc>
+                <a:spcPct val="120000"/>
+              </a:lnSpc>
+            </a:pPr>
+            <a:r>
+              <a:rPr lang="nl-NL" sz="1500" dirty="0"/>
+              <a:t>Lokalisatie ankers</a:t>
+            </a:r>
+          </a:p>
+        </p:txBody>
+      </p:sp>
+      <p:sp>
+        <p:nvSpPr>
+          <p:cNvPr id="33" name="TextBox 63">
+            <a:extLst>
+              <a:ext uri="{FF2B5EF4-FFF2-40B4-BE49-F238E27FC236}">
+                <a16:creationId xmlns:a16="http://schemas.microsoft.com/office/drawing/2014/main" id="{1F20C59C-FDF2-C240-8F39-DC04108185A9}"/>
+              </a:ext>
+            </a:extLst>
+          </p:cNvPr>
+          <p:cNvSpPr txBox="1"/>
+          <p:nvPr/>
+        </p:nvSpPr>
+        <p:spPr>
+          <a:xfrm>
+            <a:off x="4260272" y="3083347"/>
+            <a:ext cx="1971823" cy="350865"/>
+          </a:xfrm>
+          <a:prstGeom prst="rect">
+            <a:avLst/>
+          </a:prstGeom>
+          <a:noFill/>
+        </p:spPr>
+        <p:txBody>
+          <a:bodyPr wrap="square" rtlCol="0">
+            <a:spAutoFit/>
+          </a:bodyPr>
+          <a:lstStyle/>
+          <a:p>
+            <a:pPr algn="ctr">
+              <a:lnSpc>
+                <a:spcPct val="120000"/>
+              </a:lnSpc>
+            </a:pPr>
+            <a:r>
+              <a:rPr lang="nl-NL" sz="1500" dirty="0"/>
+              <a:t>Lokalisatie tag</a:t>
+            </a:r>
+          </a:p>
+        </p:txBody>
+      </p:sp>
+      <p:sp>
+        <p:nvSpPr>
+          <p:cNvPr id="36" name="TextBox 63">
+            <a:extLst>
+              <a:ext uri="{FF2B5EF4-FFF2-40B4-BE49-F238E27FC236}">
+                <a16:creationId xmlns:a16="http://schemas.microsoft.com/office/drawing/2014/main" id="{2AACA843-EDD6-5F43-B16E-8C310CE725E4}"/>
+              </a:ext>
+            </a:extLst>
+          </p:cNvPr>
+          <p:cNvSpPr txBox="1"/>
+          <p:nvPr/>
+        </p:nvSpPr>
+        <p:spPr>
+          <a:xfrm>
+            <a:off x="7012098" y="1197937"/>
+            <a:ext cx="1971823" cy="350865"/>
+          </a:xfrm>
+          <a:prstGeom prst="rect">
+            <a:avLst/>
+          </a:prstGeom>
+          <a:noFill/>
+        </p:spPr>
+        <p:txBody>
+          <a:bodyPr wrap="square" rtlCol="0">
+            <a:spAutoFit/>
+          </a:bodyPr>
+          <a:lstStyle/>
+          <a:p>
+            <a:pPr algn="ctr">
+              <a:lnSpc>
+                <a:spcPct val="120000"/>
+              </a:lnSpc>
+            </a:pPr>
+            <a:r>
+              <a:rPr lang="nl-NL" sz="1500" dirty="0" err="1"/>
+              <a:t>Mosquitto</a:t>
+            </a:r>
+            <a:r>
+              <a:rPr lang="nl-NL" sz="1500" dirty="0"/>
+              <a:t> server</a:t>
+            </a:r>
+          </a:p>
+        </p:txBody>
+      </p:sp>
+      <p:sp>
+        <p:nvSpPr>
+          <p:cNvPr id="40" name="TextBox 63">
+            <a:extLst>
+              <a:ext uri="{FF2B5EF4-FFF2-40B4-BE49-F238E27FC236}">
+                <a16:creationId xmlns:a16="http://schemas.microsoft.com/office/drawing/2014/main" id="{B6E5E96A-E973-364F-A904-2F32ED0F9A83}"/>
+              </a:ext>
+            </a:extLst>
+          </p:cNvPr>
+          <p:cNvSpPr txBox="1"/>
+          <p:nvPr/>
+        </p:nvSpPr>
+        <p:spPr>
+          <a:xfrm>
+            <a:off x="4633864" y="1673451"/>
+            <a:ext cx="1274016" cy="627864"/>
+          </a:xfrm>
+          <a:prstGeom prst="rect">
+            <a:avLst/>
+          </a:prstGeom>
+          <a:noFill/>
+        </p:spPr>
+        <p:txBody>
+          <a:bodyPr wrap="square" rtlCol="0">
+            <a:spAutoFit/>
+          </a:bodyPr>
+          <a:lstStyle/>
+          <a:p>
+            <a:pPr algn="ctr">
+              <a:lnSpc>
+                <a:spcPct val="120000"/>
+              </a:lnSpc>
+            </a:pPr>
+            <a:r>
+              <a:rPr lang="nl-NL" sz="1500" dirty="0" err="1"/>
+              <a:t>Raspberry</a:t>
+            </a:r>
+            <a:r>
+              <a:rPr lang="nl-NL" sz="1500" dirty="0"/>
+              <a:t> Pi</a:t>
+            </a:r>
+          </a:p>
+          <a:p>
+            <a:pPr algn="r">
+              <a:lnSpc>
+                <a:spcPct val="120000"/>
+              </a:lnSpc>
+            </a:pPr>
+            <a:r>
+              <a:rPr lang="nl-NL" sz="1500" dirty="0"/>
+              <a:t>Zero W</a:t>
+            </a:r>
+          </a:p>
+        </p:txBody>
+      </p:sp>
+      <p:sp>
+        <p:nvSpPr>
+          <p:cNvPr id="50" name="TextBox 63">
+            <a:extLst>
+              <a:ext uri="{FF2B5EF4-FFF2-40B4-BE49-F238E27FC236}">
+                <a16:creationId xmlns:a16="http://schemas.microsoft.com/office/drawing/2014/main" id="{22E128B0-7A78-524E-9599-EA3FD8CD273A}"/>
+              </a:ext>
+            </a:extLst>
+          </p:cNvPr>
+          <p:cNvSpPr txBox="1"/>
+          <p:nvPr/>
+        </p:nvSpPr>
+        <p:spPr>
+          <a:xfrm>
+            <a:off x="5070140" y="72737"/>
+            <a:ext cx="789041" cy="350865"/>
+          </a:xfrm>
+          <a:prstGeom prst="rect">
+            <a:avLst/>
+          </a:prstGeom>
+          <a:noFill/>
+        </p:spPr>
+        <p:txBody>
+          <a:bodyPr wrap="square" rtlCol="0">
+            <a:spAutoFit/>
+          </a:bodyPr>
+          <a:lstStyle/>
+          <a:p>
+            <a:pPr algn="ctr">
+              <a:lnSpc>
+                <a:spcPct val="120000"/>
+              </a:lnSpc>
+            </a:pPr>
+            <a:r>
+              <a:rPr lang="nl-NL" sz="1500" dirty="0"/>
+              <a:t>Batterij</a:t>
+            </a:r>
+          </a:p>
+        </p:txBody>
+      </p:sp>
+      <p:sp>
+        <p:nvSpPr>
+          <p:cNvPr id="51" name="TextBox 63">
+            <a:extLst>
+              <a:ext uri="{FF2B5EF4-FFF2-40B4-BE49-F238E27FC236}">
+                <a16:creationId xmlns:a16="http://schemas.microsoft.com/office/drawing/2014/main" id="{2606C81D-B43E-B549-95D1-F01EC2B3B262}"/>
+              </a:ext>
+            </a:extLst>
+          </p:cNvPr>
+          <p:cNvSpPr txBox="1"/>
+          <p:nvPr/>
+        </p:nvSpPr>
+        <p:spPr>
+          <a:xfrm>
+            <a:off x="3601714" y="1032930"/>
+            <a:ext cx="789041" cy="627864"/>
+          </a:xfrm>
+          <a:prstGeom prst="rect">
+            <a:avLst/>
+          </a:prstGeom>
+          <a:noFill/>
+        </p:spPr>
+        <p:txBody>
+          <a:bodyPr wrap="square" rtlCol="0">
+            <a:spAutoFit/>
+          </a:bodyPr>
+          <a:lstStyle/>
+          <a:p>
+            <a:pPr>
+              <a:lnSpc>
+                <a:spcPct val="120000"/>
+              </a:lnSpc>
+            </a:pPr>
+            <a:r>
+              <a:rPr lang="nl-NL" sz="1500" dirty="0" err="1"/>
+              <a:t>LiPo</a:t>
+            </a:r>
+            <a:r>
+              <a:rPr lang="nl-NL" sz="1500" dirty="0"/>
+              <a:t> SHIM</a:t>
+            </a:r>
+          </a:p>
+        </p:txBody>
+      </p:sp>
+      <p:sp>
+        <p:nvSpPr>
+          <p:cNvPr id="52" name="TextBox 63">
+            <a:extLst>
+              <a:ext uri="{FF2B5EF4-FFF2-40B4-BE49-F238E27FC236}">
+                <a16:creationId xmlns:a16="http://schemas.microsoft.com/office/drawing/2014/main" id="{48350D6B-8317-1146-B1B4-79245FE95924}"/>
+              </a:ext>
+            </a:extLst>
+          </p:cNvPr>
+          <p:cNvSpPr txBox="1"/>
+          <p:nvPr/>
+        </p:nvSpPr>
+        <p:spPr>
+          <a:xfrm>
+            <a:off x="8860070" y="50900"/>
+            <a:ext cx="1283076" cy="350865"/>
+          </a:xfrm>
+          <a:prstGeom prst="rect">
+            <a:avLst/>
+          </a:prstGeom>
+          <a:noFill/>
+        </p:spPr>
+        <p:txBody>
+          <a:bodyPr wrap="square" rtlCol="0">
+            <a:spAutoFit/>
+          </a:bodyPr>
+          <a:lstStyle/>
+          <a:p>
+            <a:pPr algn="r">
+              <a:lnSpc>
+                <a:spcPct val="120000"/>
+              </a:lnSpc>
+            </a:pPr>
+            <a:r>
+              <a:rPr lang="nl-NL" sz="1500" dirty="0"/>
+              <a:t>Visualisatie</a:t>
+            </a:r>
+          </a:p>
+        </p:txBody>
+      </p:sp>
+      <p:sp>
+        <p:nvSpPr>
+          <p:cNvPr id="54" name="TextBox 63">
+            <a:extLst>
+              <a:ext uri="{FF2B5EF4-FFF2-40B4-BE49-F238E27FC236}">
+                <a16:creationId xmlns:a16="http://schemas.microsoft.com/office/drawing/2014/main" id="{8D07B2F2-0F35-F942-B1FB-648DE6BAA0F5}"/>
+              </a:ext>
+            </a:extLst>
+          </p:cNvPr>
+          <p:cNvSpPr txBox="1"/>
+          <p:nvPr/>
+        </p:nvSpPr>
+        <p:spPr>
+          <a:xfrm>
+            <a:off x="9166550" y="5805914"/>
+            <a:ext cx="1705490" cy="350865"/>
+          </a:xfrm>
+          <a:prstGeom prst="rect">
+            <a:avLst/>
+          </a:prstGeom>
+          <a:noFill/>
+        </p:spPr>
+        <p:txBody>
+          <a:bodyPr wrap="square" rtlCol="0">
+            <a:spAutoFit/>
+          </a:bodyPr>
+          <a:lstStyle/>
+          <a:p>
+            <a:pPr algn="ctr">
+              <a:lnSpc>
+                <a:spcPct val="120000"/>
+              </a:lnSpc>
+            </a:pPr>
+            <a:r>
+              <a:rPr lang="nl-NL" sz="1500" dirty="0" err="1"/>
+              <a:t>Raspberry</a:t>
+            </a:r>
+            <a:r>
+              <a:rPr lang="nl-NL" sz="1500" dirty="0"/>
+              <a:t> Pi 3 B</a:t>
+            </a:r>
+          </a:p>
+        </p:txBody>
+      </p:sp>
+      <p:sp>
+        <p:nvSpPr>
+          <p:cNvPr id="55" name="TextBox 63">
+            <a:extLst>
+              <a:ext uri="{FF2B5EF4-FFF2-40B4-BE49-F238E27FC236}">
+                <a16:creationId xmlns:a16="http://schemas.microsoft.com/office/drawing/2014/main" id="{13A1A8E2-91DD-FA4C-9164-AA4C8B336D55}"/>
+              </a:ext>
+            </a:extLst>
+          </p:cNvPr>
+          <p:cNvSpPr txBox="1"/>
+          <p:nvPr/>
+        </p:nvSpPr>
+        <p:spPr>
+          <a:xfrm>
+            <a:off x="7796118" y="6366388"/>
+            <a:ext cx="2832326" cy="683264"/>
+          </a:xfrm>
+          <a:prstGeom prst="rect">
+            <a:avLst/>
+          </a:prstGeom>
+          <a:noFill/>
+        </p:spPr>
+        <p:txBody>
+          <a:bodyPr wrap="square" rtlCol="0">
+            <a:spAutoFit/>
+          </a:bodyPr>
+          <a:lstStyle/>
+          <a:p>
+            <a:pPr algn="ctr">
+              <a:lnSpc>
+                <a:spcPct val="120000"/>
+              </a:lnSpc>
+            </a:pPr>
+            <a:r>
+              <a:rPr lang="nl-BE" dirty="0">
+                <a:solidFill>
+                  <a:srgbClr val="1F59CB"/>
+                </a:solidFill>
+              </a:rPr>
+              <a:t>Off-board controller</a:t>
+            </a:r>
+          </a:p>
+          <a:p>
+            <a:pPr algn="ctr">
+              <a:lnSpc>
+                <a:spcPct val="120000"/>
+              </a:lnSpc>
+            </a:pPr>
+            <a:endParaRPr lang="nl-NL" sz="1500" dirty="0"/>
+          </a:p>
+        </p:txBody>
+      </p:sp>
+      <p:sp>
+        <p:nvSpPr>
+          <p:cNvPr id="56" name="TextBox 63">
+            <a:extLst>
+              <a:ext uri="{FF2B5EF4-FFF2-40B4-BE49-F238E27FC236}">
+                <a16:creationId xmlns:a16="http://schemas.microsoft.com/office/drawing/2014/main" id="{687F9ADA-F359-A848-998C-AC2F60FD5E5C}"/>
+              </a:ext>
+            </a:extLst>
+          </p:cNvPr>
+          <p:cNvSpPr txBox="1"/>
+          <p:nvPr/>
+        </p:nvSpPr>
+        <p:spPr>
+          <a:xfrm>
+            <a:off x="928887" y="-2333"/>
+            <a:ext cx="2832326" cy="683264"/>
+          </a:xfrm>
+          <a:prstGeom prst="rect">
+            <a:avLst/>
+          </a:prstGeom>
+          <a:noFill/>
+        </p:spPr>
+        <p:txBody>
+          <a:bodyPr wrap="square" rtlCol="0">
+            <a:spAutoFit/>
+          </a:bodyPr>
+          <a:lstStyle/>
+          <a:p>
+            <a:pPr algn="ctr">
+              <a:lnSpc>
+                <a:spcPct val="120000"/>
+              </a:lnSpc>
+            </a:pPr>
+            <a:r>
+              <a:rPr lang="nl-BE" dirty="0">
+                <a:solidFill>
+                  <a:srgbClr val="1F59CB"/>
+                </a:solidFill>
+              </a:rPr>
+              <a:t>On-board controller</a:t>
+            </a:r>
+          </a:p>
+          <a:p>
+            <a:pPr algn="ctr">
+              <a:lnSpc>
+                <a:spcPct val="120000"/>
+              </a:lnSpc>
+            </a:pPr>
+            <a:endParaRPr lang="nl-NL" sz="1500" dirty="0"/>
+          </a:p>
+        </p:txBody>
+      </p:sp>
+      <p:sp>
+        <p:nvSpPr>
+          <p:cNvPr id="67" name="TextBox 63">
+            <a:extLst>
+              <a:ext uri="{FF2B5EF4-FFF2-40B4-BE49-F238E27FC236}">
+                <a16:creationId xmlns:a16="http://schemas.microsoft.com/office/drawing/2014/main" id="{C93C55CA-49F0-CC46-8B45-D0B8D855814B}"/>
+              </a:ext>
+            </a:extLst>
+          </p:cNvPr>
+          <p:cNvSpPr txBox="1"/>
+          <p:nvPr/>
+        </p:nvSpPr>
+        <p:spPr>
+          <a:xfrm>
+            <a:off x="2595069" y="6388519"/>
+            <a:ext cx="980859" cy="350865"/>
+          </a:xfrm>
+          <a:prstGeom prst="rect">
+            <a:avLst/>
+          </a:prstGeom>
+          <a:noFill/>
+        </p:spPr>
+        <p:txBody>
+          <a:bodyPr wrap="square" rtlCol="0">
+            <a:spAutoFit/>
+          </a:bodyPr>
+          <a:lstStyle/>
+          <a:p>
+            <a:pPr algn="ctr">
+              <a:lnSpc>
+                <a:spcPct val="120000"/>
+              </a:lnSpc>
+            </a:pPr>
+            <a:r>
+              <a:rPr lang="nl-NL" sz="1500" dirty="0"/>
+              <a:t>Drone</a:t>
+            </a:r>
           </a:p>
         </p:txBody>
       </p:sp>
